--- a/src/assets/images/nexus.pptx
+++ b/src/assets/images/nexus.pptx
@@ -261,7 +261,7 @@
           <a:p>
             <a:fld id="{959247C1-0C06-4964-B084-DDD2395A57B3}" type="datetimeFigureOut">
               <a:rPr lang="en-US" smtClean="0"/>
-              <a:t>10/9/2025</a:t>
+              <a:t>11/13/2025</a:t>
             </a:fld>
             <a:endParaRPr lang="en-US"/>
           </a:p>
@@ -459,7 +459,7 @@
           <a:p>
             <a:fld id="{959247C1-0C06-4964-B084-DDD2395A57B3}" type="datetimeFigureOut">
               <a:rPr lang="en-US" smtClean="0"/>
-              <a:t>10/9/2025</a:t>
+              <a:t>11/13/2025</a:t>
             </a:fld>
             <a:endParaRPr lang="en-US"/>
           </a:p>
@@ -667,7 +667,7 @@
           <a:p>
             <a:fld id="{959247C1-0C06-4964-B084-DDD2395A57B3}" type="datetimeFigureOut">
               <a:rPr lang="en-US" smtClean="0"/>
-              <a:t>10/9/2025</a:t>
+              <a:t>11/13/2025</a:t>
             </a:fld>
             <a:endParaRPr lang="en-US"/>
           </a:p>
@@ -865,7 +865,7 @@
           <a:p>
             <a:fld id="{959247C1-0C06-4964-B084-DDD2395A57B3}" type="datetimeFigureOut">
               <a:rPr lang="en-US" smtClean="0"/>
-              <a:t>10/9/2025</a:t>
+              <a:t>11/13/2025</a:t>
             </a:fld>
             <a:endParaRPr lang="en-US"/>
           </a:p>
@@ -1140,7 +1140,7 @@
           <a:p>
             <a:fld id="{959247C1-0C06-4964-B084-DDD2395A57B3}" type="datetimeFigureOut">
               <a:rPr lang="en-US" smtClean="0"/>
-              <a:t>10/9/2025</a:t>
+              <a:t>11/13/2025</a:t>
             </a:fld>
             <a:endParaRPr lang="en-US"/>
           </a:p>
@@ -1405,7 +1405,7 @@
           <a:p>
             <a:fld id="{959247C1-0C06-4964-B084-DDD2395A57B3}" type="datetimeFigureOut">
               <a:rPr lang="en-US" smtClean="0"/>
-              <a:t>10/9/2025</a:t>
+              <a:t>11/13/2025</a:t>
             </a:fld>
             <a:endParaRPr lang="en-US"/>
           </a:p>
@@ -1817,7 +1817,7 @@
           <a:p>
             <a:fld id="{959247C1-0C06-4964-B084-DDD2395A57B3}" type="datetimeFigureOut">
               <a:rPr lang="en-US" smtClean="0"/>
-              <a:t>10/9/2025</a:t>
+              <a:t>11/13/2025</a:t>
             </a:fld>
             <a:endParaRPr lang="en-US"/>
           </a:p>
@@ -1958,7 +1958,7 @@
           <a:p>
             <a:fld id="{959247C1-0C06-4964-B084-DDD2395A57B3}" type="datetimeFigureOut">
               <a:rPr lang="en-US" smtClean="0"/>
-              <a:t>10/9/2025</a:t>
+              <a:t>11/13/2025</a:t>
             </a:fld>
             <a:endParaRPr lang="en-US"/>
           </a:p>
@@ -2071,7 +2071,7 @@
           <a:p>
             <a:fld id="{959247C1-0C06-4964-B084-DDD2395A57B3}" type="datetimeFigureOut">
               <a:rPr lang="en-US" smtClean="0"/>
-              <a:t>10/9/2025</a:t>
+              <a:t>11/13/2025</a:t>
             </a:fld>
             <a:endParaRPr lang="en-US"/>
           </a:p>
@@ -2382,7 +2382,7 @@
           <a:p>
             <a:fld id="{959247C1-0C06-4964-B084-DDD2395A57B3}" type="datetimeFigureOut">
               <a:rPr lang="en-US" smtClean="0"/>
-              <a:t>10/9/2025</a:t>
+              <a:t>11/13/2025</a:t>
             </a:fld>
             <a:endParaRPr lang="en-US"/>
           </a:p>
@@ -2670,7 +2670,7 @@
           <a:p>
             <a:fld id="{959247C1-0C06-4964-B084-DDD2395A57B3}" type="datetimeFigureOut">
               <a:rPr lang="en-US" smtClean="0"/>
-              <a:t>10/9/2025</a:t>
+              <a:t>11/13/2025</a:t>
             </a:fld>
             <a:endParaRPr lang="en-US"/>
           </a:p>
@@ -2911,7 +2911,7 @@
           <a:p>
             <a:fld id="{959247C1-0C06-4964-B084-DDD2395A57B3}" type="datetimeFigureOut">
               <a:rPr lang="en-US" smtClean="0"/>
-              <a:t>10/9/2025</a:t>
+              <a:t>11/13/2025</a:t>
             </a:fld>
             <a:endParaRPr lang="en-US"/>
           </a:p>
@@ -4574,8 +4574,88 @@
         </p:blipFill>
         <p:spPr>
           <a:xfrm>
-            <a:off x="10393005" y="1745676"/>
+            <a:off x="10316379" y="5303089"/>
             <a:ext cx="6096528" cy="3834716"/>
+          </a:xfrm>
+          <a:prstGeom prst="rect">
+            <a:avLst/>
+          </a:prstGeom>
+        </p:spPr>
+      </p:pic>
+      <p:sp>
+        <p:nvSpPr>
+          <p:cNvPr id="3" name="Rectangle 2">
+            <a:extLst>
+              <a:ext uri="{FF2B5EF4-FFF2-40B4-BE49-F238E27FC236}">
+                <a16:creationId xmlns:a16="http://schemas.microsoft.com/office/drawing/2014/main" id="{520F8CCE-E28D-6A71-751E-D4D57F52C70C}"/>
+              </a:ext>
+            </a:extLst>
+          </p:cNvPr>
+          <p:cNvSpPr/>
+          <p:nvPr/>
+        </p:nvSpPr>
+        <p:spPr>
+          <a:xfrm>
+            <a:off x="3204064" y="689958"/>
+            <a:ext cx="5760000" cy="5760000"/>
+          </a:xfrm>
+          <a:prstGeom prst="rect">
+            <a:avLst/>
+          </a:prstGeom>
+          <a:noFill/>
+          <a:ln>
+            <a:noFill/>
+          </a:ln>
+        </p:spPr>
+        <p:style>
+          <a:lnRef idx="2">
+            <a:schemeClr val="accent1">
+              <a:shade val="15000"/>
+            </a:schemeClr>
+          </a:lnRef>
+          <a:fillRef idx="1">
+            <a:schemeClr val="accent1"/>
+          </a:fillRef>
+          <a:effectRef idx="0">
+            <a:schemeClr val="accent1"/>
+          </a:effectRef>
+          <a:fontRef idx="minor">
+            <a:schemeClr val="lt1"/>
+          </a:fontRef>
+        </p:style>
+        <p:txBody>
+          <a:bodyPr rtlCol="0" anchor="ctr"/>
+          <a:lstStyle/>
+          <a:p>
+            <a:pPr algn="ctr"/>
+            <a:endParaRPr lang="en-US"/>
+          </a:p>
+        </p:txBody>
+      </p:sp>
+      <p:pic>
+        <p:nvPicPr>
+          <p:cNvPr id="4" name="Picture 3">
+            <a:extLst>
+              <a:ext uri="{FF2B5EF4-FFF2-40B4-BE49-F238E27FC236}">
+                <a16:creationId xmlns:a16="http://schemas.microsoft.com/office/drawing/2014/main" id="{B613452B-126F-F5ED-A58F-1566517CCF00}"/>
+              </a:ext>
+            </a:extLst>
+          </p:cNvPr>
+          <p:cNvPicPr>
+            <a:picLocks noChangeAspect="1"/>
+          </p:cNvPicPr>
+          <p:nvPr/>
+        </p:nvPicPr>
+        <p:blipFill>
+          <a:blip r:embed="rId7"/>
+          <a:stretch>
+            <a:fillRect/>
+          </a:stretch>
+        </p:blipFill>
+        <p:spPr>
+          <a:xfrm>
+            <a:off x="9558728" y="-938149"/>
+            <a:ext cx="6096528" cy="5761219"/>
           </a:xfrm>
           <a:prstGeom prst="rect">
             <a:avLst/>
